--- a/Hackthon Project Presentation.pptx
+++ b/Hackthon Project Presentation.pptx
@@ -262,7 +262,7 @@
       <p15:sldGuideLst xmlns:p15="http://schemas.microsoft.com/office/powerpoint/2012/main"/>
     </p:ext>
     <p:ext uri="GoogleSlidesCustomDataVersion2">
-      <go:slidesCustomData xmlns="" xmlns:mc="http://schemas.openxmlformats.org/markup-compatibility/2006" xmlns:mv="urn:schemas-microsoft-com:mac:vml" xmlns:c="http://schemas.openxmlformats.org/drawingml/2006/chart" xmlns:dgm="http://schemas.openxmlformats.org/drawingml/2006/diagram" xmlns:o="urn:schemas-microsoft-com:office:office" xmlns:v="urn:schemas-microsoft-com:vml" xmlns:pvml="urn:schemas-microsoft-com:office:powerpoint" xmlns:com="http://schemas.openxmlformats.org/drawingml/2006/compatibility" xmlns:p14="http://schemas.microsoft.com/office/powerpoint/2010/main" xmlns:p15="http://schemas.microsoft.com/office/powerpoint/2012/main" xmlns:ahyp="http://schemas.microsoft.com/office/drawing/2018/hyperlinkcolor" xmlns:go="http://customooxmlschemas.google.com/" r:id="rId27" roundtripDataSignature="AMtx7mjt3491jQ7aCoyIz2WXeHKroE7tpQ=="/>
+      <go:slidesCustomData xmlns:go="http://customooxmlschemas.google.com/" xmlns:ahyp="http://schemas.microsoft.com/office/drawing/2018/hyperlinkcolor" xmlns:p15="http://schemas.microsoft.com/office/powerpoint/2012/main" xmlns:p14="http://schemas.microsoft.com/office/powerpoint/2010/main" xmlns:com="http://schemas.openxmlformats.org/drawingml/2006/compatibility" xmlns:pvml="urn:schemas-microsoft-com:office:powerpoint" xmlns:v="urn:schemas-microsoft-com:vml" xmlns:o="urn:schemas-microsoft-com:office:office" xmlns:dgm="http://schemas.openxmlformats.org/drawingml/2006/diagram" xmlns:c="http://schemas.openxmlformats.org/drawingml/2006/chart" xmlns:mv="urn:schemas-microsoft-com:mac:vml" xmlns:mc="http://schemas.openxmlformats.org/markup-compatibility/2006" xmlns="" r:id="rId27" roundtripDataSignature="AMtx7mjt3491jQ7aCoyIz2WXeHKroE7tpQ=="/>
     </p:ext>
   </p:extLst>
 </p:presentation>
@@ -14126,10 +14126,10 @@
       </p:pic>
       <p:pic>
         <p:nvPicPr>
-          <p:cNvPr id="4" name="Picture 3">
+          <p:cNvPr id="6" name="Picture 5">
             <a:extLst>
               <a:ext uri="{FF2B5EF4-FFF2-40B4-BE49-F238E27FC236}">
-                <a16:creationId xmlns:a16="http://schemas.microsoft.com/office/drawing/2014/main" id="{E1A4B974-42BD-43A8-9CB7-18E89263B666}"/>
+                <a16:creationId xmlns:a16="http://schemas.microsoft.com/office/drawing/2014/main" id="{D30ED731-79DC-7810-425C-F79DD8BDE003}"/>
               </a:ext>
             </a:extLst>
           </p:cNvPr>
@@ -14146,8 +14146,8 @@
         </p:blipFill>
         <p:spPr>
           <a:xfrm>
-            <a:off x="992167" y="896471"/>
-            <a:ext cx="9209668" cy="4455458"/>
+            <a:off x="1319916" y="1654563"/>
+            <a:ext cx="10156466" cy="2230769"/>
           </a:xfrm>
           <a:prstGeom prst="rect">
             <a:avLst/>
@@ -14223,7 +14223,7 @@
           <a:p>
             <a:r>
               <a:rPr lang="en-US" sz="2400" b="1" dirty="0"/>
-              <a:t>Input Screenshot 2 </a:t>
+              <a:t>Output Screenshot 1 </a:t>
             </a:r>
             <a:endParaRPr lang="en-US" dirty="0"/>
           </a:p>
@@ -14261,10 +14261,10 @@
       </p:pic>
       <p:pic>
         <p:nvPicPr>
-          <p:cNvPr id="6" name="Picture 5">
+          <p:cNvPr id="4" name="Picture 3">
             <a:extLst>
               <a:ext uri="{FF2B5EF4-FFF2-40B4-BE49-F238E27FC236}">
-                <a16:creationId xmlns:a16="http://schemas.microsoft.com/office/drawing/2014/main" id="{00A85E2A-7405-4B8F-B1F9-3DFE779FB085}"/>
+                <a16:creationId xmlns:a16="http://schemas.microsoft.com/office/drawing/2014/main" id="{6F361D3D-24A6-A53C-9F7D-47DEF92617C0}"/>
               </a:ext>
             </a:extLst>
           </p:cNvPr>
@@ -14281,8 +14281,8 @@
         </p:blipFill>
         <p:spPr>
           <a:xfrm>
-            <a:off x="852805" y="793820"/>
-            <a:ext cx="9861176" cy="5270359"/>
+            <a:off x="1216549" y="816731"/>
+            <a:ext cx="9432897" cy="5375500"/>
           </a:xfrm>
           <a:prstGeom prst="rect">
             <a:avLst/>
